--- a/src/works/coursework_6-semester/Vafeen_3_61_presentation.pptx
+++ b/src/works/coursework_6-semester/Vafeen_3_61_presentation.pptx
@@ -197,7 +197,7 @@
           <a:p>
             <a:fld id="{1D8BD707-D9CF-40AE-B4C6-C98DA3205C09}" type="datetimeFigureOut">
               <a:rPr lang="en-US"/>
-              <a:t>5/28/2025</a:t>
+              <a:t>5/29/2025</a:t>
             </a:fld>
             <a:endParaRPr lang="en-US"/>
           </a:p>
@@ -380,7 +380,7 @@
           <a:p>
             <a:fld id="{1D8BD707-D9CF-40AE-B4C6-C98DA3205C09}" type="datetimeFigureOut">
               <a:rPr lang="en-US"/>
-              <a:t>5/28/2025</a:t>
+              <a:t>5/29/2025</a:t>
             </a:fld>
             <a:endParaRPr lang="en-US"/>
           </a:p>
@@ -600,7 +600,7 @@
           <a:p>
             <a:fld id="{1D8BD707-D9CF-40AE-B4C6-C98DA3205C09}" type="datetimeFigureOut">
               <a:rPr lang="en-US"/>
-              <a:t>5/28/2025</a:t>
+              <a:t>5/29/2025</a:t>
             </a:fld>
             <a:endParaRPr lang="en-US"/>
           </a:p>
@@ -754,7 +754,7 @@
           <a:p>
             <a:fld id="{1D8BD707-D9CF-40AE-B4C6-C98DA3205C09}" type="datetimeFigureOut">
               <a:rPr lang="en-US"/>
-              <a:t>5/28/2025</a:t>
+              <a:t>5/29/2025</a:t>
             </a:fld>
             <a:endParaRPr lang="en-US"/>
           </a:p>
@@ -879,7 +879,7 @@
           <a:p>
             <a:fld id="{1D8BD707-D9CF-40AE-B4C6-C98DA3205C09}" type="datetimeFigureOut">
               <a:rPr lang="en-US"/>
-              <a:t>5/28/2025</a:t>
+              <a:t>5/29/2025</a:t>
             </a:fld>
             <a:endParaRPr lang="en-US"/>
           </a:p>
@@ -1110,7 +1110,7 @@
           <a:p>
             <a:fld id="{1D8BD707-D9CF-40AE-B4C6-C98DA3205C09}" type="datetimeFigureOut">
               <a:rPr lang="en-US"/>
-              <a:t>5/28/2025</a:t>
+              <a:t>5/29/2025</a:t>
             </a:fld>
             <a:endParaRPr lang="en-US"/>
           </a:p>
@@ -3814,119 +3814,12 @@
           <a:chExt cx="0" cy="0"/>
         </a:xfrm>
       </p:grpSpPr>
-      <p:sp>
-        <p:nvSpPr>
-          <p:cNvPr id="2" name="object 2"/>
-          <p:cNvSpPr txBox="1">
-            <a:spLocks noGrp="1"/>
-          </p:cNvSpPr>
-          <p:nvPr>
-            <p:ph type="title"/>
-          </p:nvPr>
-        </p:nvSpPr>
-        <p:spPr>
-          <a:xfrm>
-            <a:off x="917244" y="144018"/>
-            <a:ext cx="10357510" cy="1147569"/>
-          </a:xfrm>
-          <a:prstGeom prst="rect">
-            <a:avLst/>
-          </a:prstGeom>
-        </p:spPr>
-        <p:txBody>
-          <a:bodyPr vert="horz" wrap="square" lIns="0" tIns="465911" rIns="0" bIns="0" rtlCol="0">
-            <a:spAutoFit/>
-          </a:bodyPr>
-          <a:lstStyle/>
-          <a:p>
-            <a:pPr marL="12700">
-              <a:lnSpc>
-                <a:spcPct val="100000"/>
-              </a:lnSpc>
-              <a:spcBef>
-                <a:spcPts val="95"/>
-              </a:spcBef>
-            </a:pPr>
-            <a:r>
-              <a:rPr dirty="0" err="1">
-                <a:latin typeface="Arial Black" panose="020B0A04020102020204" pitchFamily="34" charset="0"/>
-              </a:rPr>
-              <a:t>Схема</a:t>
-            </a:r>
-            <a:r>
-              <a:rPr spc="-155" dirty="0">
-                <a:latin typeface="Arial Black" panose="020B0A04020102020204" pitchFamily="34" charset="0"/>
-              </a:rPr>
-              <a:t> </a:t>
-            </a:r>
-            <a:r>
-              <a:rPr spc="-10" dirty="0" err="1">
-                <a:latin typeface="Arial Black" panose="020B0A04020102020204" pitchFamily="34" charset="0"/>
-              </a:rPr>
-              <a:t>сущностей</a:t>
-            </a:r>
-            <a:r>
-              <a:rPr lang="ru-RU" spc="-10" dirty="0">
-                <a:latin typeface="Arial Black" panose="020B0A04020102020204" pitchFamily="34" charset="0"/>
-              </a:rPr>
-              <a:t> базы данных</a:t>
-            </a:r>
-            <a:endParaRPr spc="-10" dirty="0">
-              <a:latin typeface="Arial Black" panose="020B0A04020102020204" pitchFamily="34" charset="0"/>
-            </a:endParaRPr>
-          </a:p>
-        </p:txBody>
-      </p:sp>
-      <p:sp>
-        <p:nvSpPr>
-          <p:cNvPr id="4" name="object 4"/>
-          <p:cNvSpPr txBox="1">
-            <a:spLocks noGrp="1"/>
-          </p:cNvSpPr>
-          <p:nvPr>
-            <p:ph type="sldNum" sz="quarter" idx="7"/>
-          </p:nvPr>
-        </p:nvSpPr>
-        <p:spPr>
-          <a:xfrm>
-            <a:off x="11274754" y="6172200"/>
-            <a:ext cx="638174" cy="503984"/>
-          </a:xfrm>
-          <a:prstGeom prst="rect">
-            <a:avLst/>
-          </a:prstGeom>
-        </p:spPr>
-        <p:txBody>
-          <a:bodyPr vert="horz" wrap="square" lIns="0" tIns="0" rIns="0" bIns="0" rtlCol="0">
-            <a:spAutoFit/>
-          </a:bodyPr>
-          <a:lstStyle/>
-          <a:p>
-            <a:pPr marL="311785">
-              <a:lnSpc>
-                <a:spcPts val="3820"/>
-              </a:lnSpc>
-            </a:pPr>
-            <a:r>
-              <a:rPr lang="ru-RU" spc="-50" dirty="0">
-                <a:latin typeface="Arial" panose="020B0604020202020204" pitchFamily="34" charset="0"/>
-                <a:cs typeface="Arial" panose="020B0604020202020204" pitchFamily="34" charset="0"/>
-              </a:rPr>
-              <a:t>8</a:t>
-            </a:r>
-            <a:endParaRPr spc="-50" dirty="0">
-              <a:latin typeface="Arial" panose="020B0604020202020204" pitchFamily="34" charset="0"/>
-              <a:cs typeface="Arial" panose="020B0604020202020204" pitchFamily="34" charset="0"/>
-            </a:endParaRPr>
-          </a:p>
-        </p:txBody>
-      </p:sp>
       <p:pic>
         <p:nvPicPr>
-          <p:cNvPr id="6" name="Рисунок 5">
+          <p:cNvPr id="5" name="Рисунок 4">
             <a:extLst>
               <a:ext uri="{FF2B5EF4-FFF2-40B4-BE49-F238E27FC236}">
-                <a16:creationId xmlns:a16="http://schemas.microsoft.com/office/drawing/2014/main" id="{0DE73212-23B1-925B-F039-62DA49E03A2A}"/>
+                <a16:creationId xmlns:a16="http://schemas.microsoft.com/office/drawing/2014/main" id="{E71087A4-2C40-4EAA-59FF-FF3C106C48A0}"/>
               </a:ext>
             </a:extLst>
           </p:cNvPr>
@@ -3949,14 +3842,121 @@
         </p:blipFill>
         <p:spPr>
           <a:xfrm>
-            <a:off x="1524000" y="1311442"/>
-            <a:ext cx="7924800" cy="5005138"/>
+            <a:off x="838200" y="1322067"/>
+            <a:ext cx="8534400" cy="5390148"/>
           </a:xfrm>
           <a:prstGeom prst="rect">
             <a:avLst/>
           </a:prstGeom>
         </p:spPr>
       </p:pic>
+      <p:sp>
+        <p:nvSpPr>
+          <p:cNvPr id="2" name="object 2"/>
+          <p:cNvSpPr txBox="1">
+            <a:spLocks noGrp="1"/>
+          </p:cNvSpPr>
+          <p:nvPr>
+            <p:ph type="title"/>
+          </p:nvPr>
+        </p:nvSpPr>
+        <p:spPr>
+          <a:xfrm>
+            <a:off x="917244" y="144018"/>
+            <a:ext cx="10357510" cy="1147569"/>
+          </a:xfrm>
+          <a:prstGeom prst="rect">
+            <a:avLst/>
+          </a:prstGeom>
+        </p:spPr>
+        <p:txBody>
+          <a:bodyPr vert="horz" wrap="square" lIns="0" tIns="465911" rIns="0" bIns="0" rtlCol="0">
+            <a:spAutoFit/>
+          </a:bodyPr>
+          <a:lstStyle/>
+          <a:p>
+            <a:pPr marL="12700">
+              <a:lnSpc>
+                <a:spcPct val="100000"/>
+              </a:lnSpc>
+              <a:spcBef>
+                <a:spcPts val="95"/>
+              </a:spcBef>
+            </a:pPr>
+            <a:r>
+              <a:rPr dirty="0" err="1">
+                <a:latin typeface="Arial Black" panose="020B0A04020102020204" pitchFamily="34" charset="0"/>
+              </a:rPr>
+              <a:t>Схема</a:t>
+            </a:r>
+            <a:r>
+              <a:rPr spc="-155" dirty="0">
+                <a:latin typeface="Arial Black" panose="020B0A04020102020204" pitchFamily="34" charset="0"/>
+              </a:rPr>
+              <a:t> </a:t>
+            </a:r>
+            <a:r>
+              <a:rPr spc="-10" dirty="0" err="1">
+                <a:latin typeface="Arial Black" panose="020B0A04020102020204" pitchFamily="34" charset="0"/>
+              </a:rPr>
+              <a:t>сущностей</a:t>
+            </a:r>
+            <a:r>
+              <a:rPr lang="ru-RU" spc="-10" dirty="0">
+                <a:latin typeface="Arial Black" panose="020B0A04020102020204" pitchFamily="34" charset="0"/>
+              </a:rPr>
+              <a:t> базы данных</a:t>
+            </a:r>
+            <a:endParaRPr spc="-10" dirty="0">
+              <a:latin typeface="Arial Black" panose="020B0A04020102020204" pitchFamily="34" charset="0"/>
+            </a:endParaRPr>
+          </a:p>
+        </p:txBody>
+      </p:sp>
+      <p:sp>
+        <p:nvSpPr>
+          <p:cNvPr id="4" name="object 4"/>
+          <p:cNvSpPr txBox="1">
+            <a:spLocks noGrp="1"/>
+          </p:cNvSpPr>
+          <p:nvPr>
+            <p:ph type="sldNum" sz="quarter" idx="7"/>
+          </p:nvPr>
+        </p:nvSpPr>
+        <p:spPr>
+          <a:xfrm>
+            <a:off x="11274754" y="6172200"/>
+            <a:ext cx="638174" cy="503984"/>
+          </a:xfrm>
+          <a:prstGeom prst="rect">
+            <a:avLst/>
+          </a:prstGeom>
+        </p:spPr>
+        <p:txBody>
+          <a:bodyPr vert="horz" wrap="square" lIns="0" tIns="0" rIns="0" bIns="0" rtlCol="0">
+            <a:spAutoFit/>
+          </a:bodyPr>
+          <a:lstStyle/>
+          <a:p>
+            <a:pPr marL="311785">
+              <a:lnSpc>
+                <a:spcPts val="3820"/>
+              </a:lnSpc>
+            </a:pPr>
+            <a:r>
+              <a:rPr lang="ru-RU" spc="-50" dirty="0">
+                <a:latin typeface="Arial" panose="020B0604020202020204" pitchFamily="34" charset="0"/>
+                <a:cs typeface="Arial" panose="020B0604020202020204" pitchFamily="34" charset="0"/>
+              </a:rPr>
+              <a:t>8</a:t>
+            </a:r>
+            <a:endParaRPr spc="-50" dirty="0">
+              <a:latin typeface="Arial" panose="020B0604020202020204" pitchFamily="34" charset="0"/>
+              <a:cs typeface="Arial" panose="020B0604020202020204" pitchFamily="34" charset="0"/>
+            </a:endParaRPr>
+          </a:p>
+        </p:txBody>
+      </p:sp>
     </p:spTree>
   </p:cSld>
   <p:clrMapOvr>
